--- a/DotNetConf-Developing ASPNET Core MVC Apps for International Users.pptx
+++ b/DotNetConf-Developing ASPNET Core MVC Apps for International Users.pptx
@@ -28,11 +28,11 @@
     <p:sldId id="276" r:id="rId19"/>
     <p:sldId id="278" r:id="rId20"/>
     <p:sldId id="271" r:id="rId21"/>
-    <p:sldId id="288" r:id="rId22"/>
-    <p:sldId id="284" r:id="rId23"/>
-    <p:sldId id="285" r:id="rId24"/>
-    <p:sldId id="272" r:id="rId25"/>
-    <p:sldId id="279" r:id="rId26"/>
+    <p:sldId id="291" r:id="rId22"/>
+    <p:sldId id="288" r:id="rId23"/>
+    <p:sldId id="284" r:id="rId24"/>
+    <p:sldId id="290" r:id="rId25"/>
+    <p:sldId id="285" r:id="rId26"/>
     <p:sldId id="273" r:id="rId27"/>
     <p:sldId id="280" r:id="rId28"/>
     <p:sldId id="281" r:id="rId29"/>
@@ -3024,7 +3024,7 @@
           <a:p>
             <a:fld id="{BBAD9E16-1B48-4E65-B03A-6CF1D6EF601C}" type="datetimeFigureOut">
               <a:rPr lang="en-US" smtClean="0"/>
-              <a:t>9/19/2017</a:t>
+              <a:t>9/20/2017</a:t>
             </a:fld>
             <a:endParaRPr lang="en-US"/>
           </a:p>
@@ -4853,7 +4853,7 @@
     </p:spTree>
     <p:extLst>
       <p:ext uri="{BB962C8B-B14F-4D97-AF65-F5344CB8AC3E}">
-        <p14:creationId xmlns:p14="http://schemas.microsoft.com/office/powerpoint/2010/main" val="2600698534"/>
+        <p14:creationId xmlns:p14="http://schemas.microsoft.com/office/powerpoint/2010/main" val="117050879"/>
       </p:ext>
     </p:extLst>
   </p:cSld>
@@ -4997,7 +4997,7 @@
     </p:spTree>
     <p:extLst>
       <p:ext uri="{BB962C8B-B14F-4D97-AF65-F5344CB8AC3E}">
-        <p14:creationId xmlns:p14="http://schemas.microsoft.com/office/powerpoint/2010/main" val="2484933310"/>
+        <p14:creationId xmlns:p14="http://schemas.microsoft.com/office/powerpoint/2010/main" val="2600698534"/>
       </p:ext>
     </p:extLst>
   </p:cSld>
@@ -5141,7 +5141,7 @@
     </p:spTree>
     <p:extLst>
       <p:ext uri="{BB962C8B-B14F-4D97-AF65-F5344CB8AC3E}">
-        <p14:creationId xmlns:p14="http://schemas.microsoft.com/office/powerpoint/2010/main" val="2731104501"/>
+        <p14:creationId xmlns:p14="http://schemas.microsoft.com/office/powerpoint/2010/main" val="2484933310"/>
       </p:ext>
     </p:extLst>
   </p:cSld>
@@ -5195,7 +5195,7 @@
           <a:bodyPr/>
           <a:lstStyle/>
           <a:p>
-            <a:endParaRPr lang="en-US"/>
+            <a:endParaRPr lang="en-US" dirty="0"/>
           </a:p>
         </p:txBody>
       </p:sp>
@@ -5214,78 +5214,18 @@
           <a:bodyPr/>
           <a:lstStyle/>
           <a:p>
-            <a:pPr marL="0" marR="0" lvl="0" indent="0" algn="r" defTabSz="914400" rtl="0" eaLnBrk="1" fontAlgn="auto" latinLnBrk="0" hangingPunct="1">
-              <a:lnSpc>
-                <a:spcPct val="100000"/>
-              </a:lnSpc>
-              <a:spcBef>
-                <a:spcPts val="0"/>
-              </a:spcBef>
-              <a:spcAft>
-                <a:spcPts val="0"/>
-              </a:spcAft>
-              <a:buClrTx/>
-              <a:buSzTx/>
-              <a:buFontTx/>
-              <a:buNone/>
-              <a:tabLst/>
-              <a:defRPr/>
-            </a:pPr>
-            <a:fld id="{4E088C26-F2EE-4531-A8A2-E8EE44056931}" type="slidenum">
-              <a:rPr kumimoji="0" lang="en-US" sz="1200" b="0" i="0" u="none" strike="noStrike" kern="1200" cap="none" spc="0" normalizeH="0" baseline="0" noProof="0" smtClean="0">
-                <a:ln>
-                  <a:noFill/>
-                </a:ln>
-                <a:solidFill>
-                  <a:prstClr val="black"/>
-                </a:solidFill>
-                <a:effectLst/>
-                <a:uLnTx/>
-                <a:uFillTx/>
-                <a:latin typeface="Calibri" panose="020F0502020204030204"/>
-                <a:ea typeface="+mn-ea"/>
-                <a:cs typeface="+mn-cs"/>
-              </a:rPr>
-              <a:pPr marL="0" marR="0" lvl="0" indent="0" algn="r" defTabSz="914400" rtl="0" eaLnBrk="1" fontAlgn="auto" latinLnBrk="0" hangingPunct="1">
-                <a:lnSpc>
-                  <a:spcPct val="100000"/>
-                </a:lnSpc>
-                <a:spcBef>
-                  <a:spcPts val="0"/>
-                </a:spcBef>
-                <a:spcAft>
-                  <a:spcPts val="0"/>
-                </a:spcAft>
-                <a:buClrTx/>
-                <a:buSzTx/>
-                <a:buFontTx/>
-                <a:buNone/>
-                <a:tabLst/>
-                <a:defRPr/>
-              </a:pPr>
+            <a:fld id="{3F63EB8A-53A4-4077-8798-610E05BE84FE}" type="slidenum">
+              <a:rPr lang="en-US" smtClean="0"/>
               <a:t>23</a:t>
             </a:fld>
-            <a:endParaRPr kumimoji="0" lang="en-US" sz="1200" b="0" i="0" u="none" strike="noStrike" kern="1200" cap="none" spc="0" normalizeH="0" baseline="0" noProof="0">
-              <a:ln>
-                <a:noFill/>
-              </a:ln>
-              <a:solidFill>
-                <a:prstClr val="black"/>
-              </a:solidFill>
-              <a:effectLst/>
-              <a:uLnTx/>
-              <a:uFillTx/>
-              <a:latin typeface="Calibri" panose="020F0502020204030204"/>
-              <a:ea typeface="+mn-ea"/>
-              <a:cs typeface="+mn-cs"/>
-            </a:endParaRPr>
+            <a:endParaRPr lang="en-US"/>
           </a:p>
         </p:txBody>
       </p:sp>
     </p:spTree>
     <p:extLst>
       <p:ext uri="{BB962C8B-B14F-4D97-AF65-F5344CB8AC3E}">
-        <p14:creationId xmlns:p14="http://schemas.microsoft.com/office/powerpoint/2010/main" val="1437191954"/>
+        <p14:creationId xmlns:p14="http://schemas.microsoft.com/office/powerpoint/2010/main" val="4078900280"/>
       </p:ext>
     </p:extLst>
   </p:cSld>
@@ -5429,7 +5369,7 @@
     </p:spTree>
     <p:extLst>
       <p:ext uri="{BB962C8B-B14F-4D97-AF65-F5344CB8AC3E}">
-        <p14:creationId xmlns:p14="http://schemas.microsoft.com/office/powerpoint/2010/main" val="2086045402"/>
+        <p14:creationId xmlns:p14="http://schemas.microsoft.com/office/powerpoint/2010/main" val="2731104501"/>
       </p:ext>
     </p:extLst>
   </p:cSld>
@@ -16615,7 +16555,6 @@
               <a:rPr lang="en-US" dirty="0"/>
               <a:t>Resource Files</a:t>
             </a:r>
-            <a:endParaRPr lang="en-US" dirty="0"/>
           </a:p>
           <a:p>
             <a:r>
@@ -16626,13 +16565,13 @@
           <a:p>
             <a:r>
               <a:rPr lang="en-US" dirty="0"/>
+              <a:t>User Selectable Culture w/ Cookies</a:t>
+            </a:r>
+          </a:p>
+          <a:p>
+            <a:r>
+              <a:rPr lang="en-US" dirty="0"/>
               <a:t>Data Annotations</a:t>
-            </a:r>
-          </a:p>
-          <a:p>
-            <a:r>
-              <a:rPr lang="en-US" dirty="0"/>
-              <a:t>Currency</a:t>
             </a:r>
           </a:p>
           <a:p>
@@ -16720,8 +16659,8 @@
         </p:nvSpPr>
         <p:spPr>
           <a:xfrm>
-            <a:off x="269240" y="2084377"/>
-            <a:ext cx="9859116" cy="1976823"/>
+            <a:off x="269239" y="2084377"/>
+            <a:ext cx="11592081" cy="1015663"/>
           </a:xfrm>
         </p:spPr>
         <p:txBody>
@@ -16729,21 +16668,17 @@
           <a:lstStyle/>
           <a:p>
             <a:r>
-              <a:rPr lang="en-US" sz="6470" dirty="0"/>
-              <a:t>Demo: Allow your users to </a:t>
-            </a:r>
-            <a:r>
-              <a:rPr lang="en-US" sz="6470"/>
-              <a:t>select Culture</a:t>
-            </a:r>
-            <a:endParaRPr lang="en-US" sz="6470" dirty="0"/>
+              <a:rPr lang="en-US" sz="6000" dirty="0"/>
+              <a:t>User Selectable Culture w/ Cookies</a:t>
+            </a:r>
+            <a:endParaRPr lang="en-US" sz="6000" dirty="0"/>
           </a:p>
         </p:txBody>
       </p:sp>
     </p:spTree>
     <p:extLst>
       <p:ext uri="{BB962C8B-B14F-4D97-AF65-F5344CB8AC3E}">
-        <p14:creationId xmlns:p14="http://schemas.microsoft.com/office/powerpoint/2010/main" val="3469126523"/>
+        <p14:creationId xmlns:p14="http://schemas.microsoft.com/office/powerpoint/2010/main" val="847168264"/>
       </p:ext>
     </p:extLst>
   </p:cSld>
@@ -16795,7 +16730,7 @@
         <p:spPr>
           <a:xfrm>
             <a:off x="269240" y="2084377"/>
-            <a:ext cx="9859116" cy="1077163"/>
+            <a:ext cx="9859116" cy="1976823"/>
           </a:xfrm>
         </p:spPr>
         <p:txBody>
@@ -16804,15 +16739,20 @@
           <a:p>
             <a:r>
               <a:rPr lang="en-US" sz="6470" dirty="0"/>
-              <a:t>Data Annotations</a:t>
-            </a:r>
+              <a:t>Demo: Allow your users to </a:t>
+            </a:r>
+            <a:r>
+              <a:rPr lang="en-US" sz="6470"/>
+              <a:t>select Culture</a:t>
+            </a:r>
+            <a:endParaRPr lang="en-US" sz="6470" dirty="0"/>
           </a:p>
         </p:txBody>
       </p:sp>
     </p:spTree>
     <p:extLst>
       <p:ext uri="{BB962C8B-B14F-4D97-AF65-F5344CB8AC3E}">
-        <p14:creationId xmlns:p14="http://schemas.microsoft.com/office/powerpoint/2010/main" val="812014462"/>
+        <p14:creationId xmlns:p14="http://schemas.microsoft.com/office/powerpoint/2010/main" val="3469126523"/>
       </p:ext>
     </p:extLst>
   </p:cSld>
@@ -16873,7 +16813,7 @@
           <a:p>
             <a:r>
               <a:rPr lang="en-US" sz="6470" dirty="0"/>
-              <a:t>Demo</a:t>
+              <a:t>Data Annotations</a:t>
             </a:r>
           </a:p>
         </p:txBody>
@@ -16881,7 +16821,7 @@
     </p:spTree>
     <p:extLst>
       <p:ext uri="{BB962C8B-B14F-4D97-AF65-F5344CB8AC3E}">
-        <p14:creationId xmlns:p14="http://schemas.microsoft.com/office/powerpoint/2010/main" val="1901387214"/>
+        <p14:creationId xmlns:p14="http://schemas.microsoft.com/office/powerpoint/2010/main" val="812014462"/>
       </p:ext>
     </p:extLst>
   </p:cSld>
@@ -16922,7 +16862,13 @@
       </p:grpSpPr>
       <p:sp>
         <p:nvSpPr>
-          <p:cNvPr id="3" name="Title 2"/>
+          <p:cNvPr id="2" name="Title 1">
+            <a:extLst>
+              <a:ext uri="{FF2B5EF4-FFF2-40B4-BE49-F238E27FC236}">
+                <a16:creationId xmlns:a16="http://schemas.microsoft.com/office/drawing/2014/main" id="{EC6A749A-2A99-4DB1-8566-47BDD4370A88}"/>
+              </a:ext>
+            </a:extLst>
+          </p:cNvPr>
           <p:cNvSpPr>
             <a:spLocks noGrp="1"/>
           </p:cNvSpPr>
@@ -16930,45 +16876,268 @@
             <p:ph type="title"/>
           </p:nvPr>
         </p:nvSpPr>
+        <p:spPr/>
+        <p:txBody>
+          <a:bodyPr/>
+          <a:lstStyle/>
+          <a:p>
+            <a:r>
+              <a:rPr lang="en-US" b="1" dirty="0">
+                <a:solidFill>
+                  <a:schemeClr val="accent6"/>
+                </a:solidFill>
+              </a:rPr>
+              <a:t>Resource File Naming Standard</a:t>
+            </a:r>
+          </a:p>
+        </p:txBody>
+      </p:sp>
+      <p:sp>
+        <p:nvSpPr>
+          <p:cNvPr id="5" name="Content Placeholder 2">
+            <a:extLst/>
+          </p:cNvPr>
+          <p:cNvSpPr>
+            <a:spLocks noGrp="1"/>
+          </p:cNvSpPr>
+          <p:nvPr>
+            <p:ph type="body" sz="quarter" idx="10"/>
+          </p:nvPr>
+        </p:nvSpPr>
         <p:spPr>
           <a:xfrm>
-            <a:off x="269240" y="2084377"/>
-            <a:ext cx="9859116" cy="1077163"/>
+            <a:off x="526211" y="1189177"/>
+            <a:ext cx="11396551" cy="4339650"/>
           </a:xfrm>
         </p:spPr>
         <p:txBody>
           <a:bodyPr/>
           <a:lstStyle/>
           <a:p>
-            <a:r>
-              <a:rPr lang="en-US" sz="6470" dirty="0"/>
-              <a:t>Currency</a:t>
-            </a:r>
+            <a:pPr marL="0" indent="0">
+              <a:buNone/>
+            </a:pPr>
+            <a:r>
+              <a:rPr lang="en-US" sz="3600" dirty="0">
+                <a:solidFill>
+                  <a:srgbClr val="0078D7"/>
+                </a:solidFill>
+              </a:rPr>
+              <a:t>Models/</a:t>
+            </a:r>
+            <a:r>
+              <a:rPr lang="en-US" sz="3600" dirty="0" err="1">
+                <a:solidFill>
+                  <a:srgbClr val="0078D7"/>
+                </a:solidFill>
+              </a:rPr>
+              <a:t>AccountViewModels.LoginViewModel.en-US.resx</a:t>
+            </a:r>
+            <a:endParaRPr lang="en-US" sz="3600" dirty="0">
+              <a:solidFill>
+                <a:srgbClr val="0078D7"/>
+              </a:solidFill>
+            </a:endParaRPr>
+          </a:p>
+          <a:p>
+            <a:pPr marL="0" indent="0">
+              <a:buNone/>
+            </a:pPr>
+            <a:r>
+              <a:rPr lang="en-US" sz="3600" dirty="0">
+                <a:solidFill>
+                  <a:srgbClr val="0078D7"/>
+                </a:solidFill>
+              </a:rPr>
+              <a:t>Models/</a:t>
+            </a:r>
+            <a:r>
+              <a:rPr lang="en-US" sz="3600" dirty="0" err="1">
+                <a:solidFill>
+                  <a:srgbClr val="0078D7"/>
+                </a:solidFill>
+              </a:rPr>
+              <a:t>AccountViewModels.LoginViewModel.en-US.resx</a:t>
+            </a:r>
+            <a:endParaRPr lang="en-US" sz="3600" dirty="0">
+              <a:solidFill>
+                <a:srgbClr val="0078D7"/>
+              </a:solidFill>
+            </a:endParaRPr>
+          </a:p>
+          <a:p>
+            <a:pPr marL="0" indent="0">
+              <a:buNone/>
+            </a:pPr>
+            <a:r>
+              <a:rPr lang="en-US" sz="3600" dirty="0">
+                <a:solidFill>
+                  <a:srgbClr val="0078D7"/>
+                </a:solidFill>
+              </a:rPr>
+              <a:t>Models/</a:t>
+            </a:r>
+            <a:r>
+              <a:rPr lang="en-US" sz="3600" dirty="0" err="1">
+                <a:solidFill>
+                  <a:srgbClr val="0078D7"/>
+                </a:solidFill>
+              </a:rPr>
+              <a:t>AccountViewModels.LoginViewModel.en-US.resx</a:t>
+            </a:r>
+            <a:endParaRPr lang="en-US" sz="3600" dirty="0">
+              <a:solidFill>
+                <a:srgbClr val="0078D7"/>
+              </a:solidFill>
+            </a:endParaRPr>
+          </a:p>
+          <a:p>
+            <a:pPr marL="0" indent="0">
+              <a:buNone/>
+            </a:pPr>
+            <a:endParaRPr lang="en-US" sz="3600" dirty="0"/>
+          </a:p>
+          <a:p>
+            <a:pPr marL="0" indent="0">
+              <a:buNone/>
+            </a:pPr>
+            <a:r>
+              <a:rPr lang="en-US" sz="3600" dirty="0">
+                <a:solidFill>
+                  <a:srgbClr val="008272"/>
+                </a:solidFill>
+              </a:rPr>
+              <a:t>Models/</a:t>
+            </a:r>
+            <a:r>
+              <a:rPr lang="en-US" sz="3600" dirty="0" err="1">
+                <a:solidFill>
+                  <a:srgbClr val="008272"/>
+                </a:solidFill>
+              </a:rPr>
+              <a:t>AccountViewModels</a:t>
+            </a:r>
+            <a:r>
+              <a:rPr lang="en-US" sz="3600" dirty="0">
+                <a:solidFill>
+                  <a:srgbClr val="008272"/>
+                </a:solidFill>
+              </a:rPr>
+              <a:t>/</a:t>
+            </a:r>
+            <a:r>
+              <a:rPr lang="en-US" sz="3600" dirty="0" err="1">
+                <a:solidFill>
+                  <a:srgbClr val="008272"/>
+                </a:solidFill>
+              </a:rPr>
+              <a:t>LoginViewModel.en-US.resx</a:t>
+            </a:r>
+            <a:endParaRPr lang="en-US" sz="3600" dirty="0">
+              <a:solidFill>
+                <a:srgbClr val="008272"/>
+              </a:solidFill>
+            </a:endParaRPr>
+          </a:p>
+          <a:p>
+            <a:pPr marL="0" indent="0">
+              <a:buNone/>
+            </a:pPr>
+            <a:r>
+              <a:rPr lang="en-US" sz="3600" dirty="0">
+                <a:solidFill>
+                  <a:srgbClr val="008272"/>
+                </a:solidFill>
+              </a:rPr>
+              <a:t>Models/</a:t>
+            </a:r>
+            <a:r>
+              <a:rPr lang="en-US" sz="3600" dirty="0" err="1">
+                <a:solidFill>
+                  <a:srgbClr val="008272"/>
+                </a:solidFill>
+              </a:rPr>
+              <a:t>AccountViewModels</a:t>
+            </a:r>
+            <a:r>
+              <a:rPr lang="en-US" sz="3600" dirty="0">
+                <a:solidFill>
+                  <a:srgbClr val="008272"/>
+                </a:solidFill>
+              </a:rPr>
+              <a:t>/</a:t>
+            </a:r>
+            <a:r>
+              <a:rPr lang="en-US" sz="3600" dirty="0" err="1">
+                <a:solidFill>
+                  <a:srgbClr val="008272"/>
+                </a:solidFill>
+              </a:rPr>
+              <a:t>LoginViewModel.en-US.resx</a:t>
+            </a:r>
+            <a:endParaRPr lang="en-US" sz="3600" dirty="0">
+              <a:solidFill>
+                <a:srgbClr val="008272"/>
+              </a:solidFill>
+            </a:endParaRPr>
+          </a:p>
+          <a:p>
+            <a:pPr marL="0" indent="0">
+              <a:buNone/>
+            </a:pPr>
+            <a:r>
+              <a:rPr lang="en-US" sz="3600" dirty="0">
+                <a:solidFill>
+                  <a:srgbClr val="008272"/>
+                </a:solidFill>
+              </a:rPr>
+              <a:t>Models/</a:t>
+            </a:r>
+            <a:r>
+              <a:rPr lang="en-US" sz="3600" dirty="0" err="1">
+                <a:solidFill>
+                  <a:srgbClr val="008272"/>
+                </a:solidFill>
+              </a:rPr>
+              <a:t>AccountViewModels</a:t>
+            </a:r>
+            <a:r>
+              <a:rPr lang="en-US" sz="3600" dirty="0">
+                <a:solidFill>
+                  <a:srgbClr val="008272"/>
+                </a:solidFill>
+              </a:rPr>
+              <a:t>/</a:t>
+            </a:r>
+            <a:r>
+              <a:rPr lang="en-US" sz="3600" dirty="0" err="1">
+                <a:solidFill>
+                  <a:srgbClr val="008272"/>
+                </a:solidFill>
+              </a:rPr>
+              <a:t>LoginViewModel.en-US.resx</a:t>
+            </a:r>
+            <a:endParaRPr lang="en-US" sz="3600" dirty="0">
+              <a:solidFill>
+                <a:srgbClr val="008272"/>
+              </a:solidFill>
+            </a:endParaRPr>
           </a:p>
         </p:txBody>
       </p:sp>
     </p:spTree>
     <p:extLst>
       <p:ext uri="{BB962C8B-B14F-4D97-AF65-F5344CB8AC3E}">
-        <p14:creationId xmlns:p14="http://schemas.microsoft.com/office/powerpoint/2010/main" val="2273103666"/>
+        <p14:creationId xmlns:p14="http://schemas.microsoft.com/office/powerpoint/2010/main" val="3375496286"/>
       </p:ext>
     </p:extLst>
   </p:cSld>
   <p:clrMapOvr>
     <a:masterClrMapping/>
   </p:clrMapOvr>
-  <mc:AlternateContent xmlns:mc="http://schemas.openxmlformats.org/markup-compatibility/2006" xmlns:p14="http://schemas.microsoft.com/office/powerpoint/2010/main">
-    <mc:Choice Requires="p14">
-      <p:transition spd="med" p14:dur="700">
-        <p:fade/>
-      </p:transition>
-    </mc:Choice>
-    <mc:Fallback xmlns="">
-      <p:transition spd="med">
-        <p:fade/>
-      </p:transition>
-    </mc:Fallback>
-  </mc:AlternateContent>
+  <p:transition>
+    <p:fade/>
+  </p:transition>
 </p:sld>
 </file>
 
@@ -17019,7 +17188,7 @@
     </p:spTree>
     <p:extLst>
       <p:ext uri="{BB962C8B-B14F-4D97-AF65-F5344CB8AC3E}">
-        <p14:creationId xmlns:p14="http://schemas.microsoft.com/office/powerpoint/2010/main" val="1611840897"/>
+        <p14:creationId xmlns:p14="http://schemas.microsoft.com/office/powerpoint/2010/main" val="1901387214"/>
       </p:ext>
     </p:extLst>
   </p:cSld>
@@ -17506,23 +17675,7 @@
                   </a:outerShdw>
                 </a:effectLst>
               </a:rPr>
-              <a:t>https://github.com/cwoodruff/DotNetConf2017_i18n</a:t>
-            </a:r>
-            <a:r>
-              <a:rPr lang="en-US" sz="4000" dirty="0">
-                <a:ln w="0"/>
-                <a:solidFill>
-                  <a:schemeClr val="accent1"/>
-                </a:solidFill>
-                <a:effectLst>
-                  <a:outerShdw blurRad="38100" dist="25400" dir="5400000" algn="ctr" rotWithShape="0">
-                    <a:srgbClr val="6E747A">
-                      <a:alpha val="43000"/>
-                    </a:srgbClr>
-                  </a:outerShdw>
-                </a:effectLst>
-              </a:rPr>
-              <a:t> </a:t>
+              <a:t>https://github.com/cwoodruff/DotNetConf2017_i18n </a:t>
             </a:r>
           </a:p>
         </p:txBody>
